--- a/docs/inside_avarkey.pptx
+++ b/docs/inside_avarkey.pptx
@@ -120,6 +120,11 @@
       </a:defRPr>
     </a:lvl9pPr>
   </p:defaultTextStyle>
+  <p:extLst>
+    <p:ext uri="{EFAFB233-063F-42B5-8137-9DF3F51BA10A}">
+      <p15:sldGuideLst xmlns:p15="http://schemas.microsoft.com/office/powerpoint/2012/main"/>
+    </p:ext>
+  </p:extLst>
 </p:presentation>
 </file>
 
@@ -3890,7 +3895,7 @@
           <a:p>
             <a:fld id="{E0F845BB-4F74-4D39-848D-9F1F63F1516F}" type="datetimeFigureOut">
               <a:rPr lang="en-US" smtClean="0"/>
-              <a:t>12/9/2018</a:t>
+              <a:t>12/10/2018</a:t>
             </a:fld>
             <a:endParaRPr lang="en-US"/>
           </a:p>
@@ -11864,6 +11869,12 @@
             <a:r>
               <a:rPr lang="en-US" dirty="0"/>
               <a:t>Price</a:t>
+            </a:r>
+          </a:p>
+          <a:p>
+            <a:r>
+              <a:rPr lang="en-US" dirty="0"/>
+              <a:t>Avatar</a:t>
             </a:r>
           </a:p>
           <a:p>

--- a/docs/inside_avarkey.pptx
+++ b/docs/inside_avarkey.pptx
@@ -10134,15 +10134,7 @@
           <a:p>
             <a:r>
               <a:rPr lang="en-US" dirty="0"/>
-              <a:t>Database </a:t>
-            </a:r>
-            <a:r>
-              <a:rPr lang="en-US" dirty="0" err="1"/>
-              <a:t>partitial</a:t>
-            </a:r>
-            <a:r>
-              <a:rPr lang="en-US" dirty="0"/>
-              <a:t> overview</a:t>
+              <a:t>Database partial overview</a:t>
             </a:r>
           </a:p>
         </p:txBody>
